--- a/PDFs/Programmablauf.pptx
+++ b/PDFs/Programmablauf.pptx
@@ -127,6 +127,10 @@
 </p:presentation>
 </file>
 
+<file path=ppt/revisionInfo.xml><?xml version="1.0" encoding="utf-8"?>
+<p1510:revInfo xmlns:a="http://schemas.openxmlformats.org/drawingml/2006/main" xmlns:r="http://schemas.openxmlformats.org/officeDocument/2006/relationships" xmlns:p1510="http://schemas.microsoft.com/office/powerpoint/2015/10/main"/>
+</file>
+
 <file path=ppt/notesMasters/notesMaster1.xml><?xml version="1.0" encoding="utf-8"?>
 <p:notesMaster xmlns:a="http://schemas.openxmlformats.org/drawingml/2006/main" xmlns:r="http://schemas.openxmlformats.org/officeDocument/2006/relationships" xmlns:p="http://schemas.openxmlformats.org/presentationml/2006/main">
   <p:cSld>
@@ -209,7 +213,7 @@
           <a:p>
             <a:fld id="{AA6E16E6-17DF-46C2-B162-A0219191CE3E}" type="datetimeFigureOut">
               <a:rPr lang="de-DE" smtClean="0"/>
-              <a:t>03.07.2017</a:t>
+              <a:t>04.07.2017</a:t>
             </a:fld>
             <a:endParaRPr lang="de-DE"/>
           </a:p>
@@ -2487,7 +2491,7 @@
                 </a:solidFill>
               </a:rPr>
               <a:pPr/>
-              <a:t>03.07.2017</a:t>
+              <a:t>04.07.2017</a:t>
             </a:fld>
             <a:endParaRPr lang="de-DE" dirty="0">
               <a:solidFill>
@@ -3637,7 +3641,7 @@
                 </a:solidFill>
               </a:rPr>
               <a:pPr/>
-              <a:t>03.07.2017</a:t>
+              <a:t>04.07.2017</a:t>
             </a:fld>
             <a:endParaRPr lang="de-DE" dirty="0">
               <a:solidFill>
@@ -4546,7 +4550,7 @@
                 </a:solidFill>
               </a:rPr>
               <a:pPr/>
-              <a:t>03.07.2017</a:t>
+              <a:t>04.07.2017</a:t>
             </a:fld>
             <a:endParaRPr lang="de-DE" dirty="0">
               <a:solidFill>
@@ -5392,7 +5396,7 @@
                 </a:solidFill>
               </a:rPr>
               <a:pPr/>
-              <a:t>03.07.2017</a:t>
+              <a:t>04.07.2017</a:t>
             </a:fld>
             <a:endParaRPr lang="de-DE" dirty="0">
               <a:solidFill>
@@ -6402,7 +6406,7 @@
                 </a:solidFill>
               </a:rPr>
               <a:pPr/>
-              <a:t>03.07.2017</a:t>
+              <a:t>04.07.2017</a:t>
             </a:fld>
             <a:endParaRPr lang="de-DE" dirty="0">
               <a:solidFill>
@@ -8071,7 +8075,7 @@
           <a:p>
             <a:r>
               <a:rPr lang="de-DE" dirty="0"/>
-              <a:t>Programmablauf 3. Juli 2017 </a:t>
+              <a:t>Programmablauf 4. Juli 2017 </a:t>
             </a:r>
           </a:p>
         </p:txBody>
@@ -8092,14 +8096,14 @@
             <p:ph idx="1"/>
             <p:extLst>
               <p:ext uri="{D42A27DB-BD31-4B8C-83A1-F6EECF244321}">
-                <p14:modId xmlns:p14="http://schemas.microsoft.com/office/powerpoint/2010/main" val="1777089428"/>
+                <p14:modId xmlns:p14="http://schemas.microsoft.com/office/powerpoint/2010/main" val="3192767654"/>
               </p:ext>
             </p:extLst>
           </p:nvPr>
         </p:nvGraphicFramePr>
         <p:xfrm>
           <a:off x="457200" y="1700213"/>
-          <a:ext cx="8229600" cy="4226560"/>
+          <a:ext cx="8229600" cy="3779520"/>
         </p:xfrm>
         <a:graphic>
           <a:graphicData uri="http://schemas.openxmlformats.org/drawingml/2006/table">
@@ -8115,17 +8119,17 @@
                     </a:ext>
                   </a:extLst>
                 </a:gridCol>
-                <a:gridCol w="1656184">
+                <a:gridCol w="3029508">
                   <a:extLst>
                     <a:ext uri="{9D8B030D-6E8A-4147-A177-3AD203B41FA5}">
                       <a16:colId xmlns:a16="http://schemas.microsoft.com/office/drawing/2014/main" val="1903195434"/>
                     </a:ext>
                   </a:extLst>
                 </a:gridCol>
-                <a:gridCol w="4402832">
+                <a:gridCol w="3029508">
                   <a:extLst>
                     <a:ext uri="{9D8B030D-6E8A-4147-A177-3AD203B41FA5}">
-                      <a16:colId xmlns:a16="http://schemas.microsoft.com/office/drawing/2014/main" val="1703014618"/>
+                      <a16:colId xmlns:a16="http://schemas.microsoft.com/office/drawing/2014/main" val="3265146352"/>
                     </a:ext>
                   </a:extLst>
                 </a:gridCol>
@@ -8181,7 +8185,7 @@
                     <a:p>
                       <a:r>
                         <a:rPr lang="de-DE" dirty="0"/>
-                        <a:t>10.00</a:t>
+                        <a:t>8.45</a:t>
                       </a:r>
                     </a:p>
                   </a:txBody>
@@ -8194,7 +8198,7 @@
                     <a:p>
                       <a:r>
                         <a:rPr lang="de-DE" dirty="0"/>
-                        <a:t>Begrüßung und Einführung</a:t>
+                        <a:t>Begrüßung und Vorstellung des Metadateiformats</a:t>
                       </a:r>
                     </a:p>
                   </a:txBody>
@@ -8224,48 +8228,45 @@
                     <a:p>
                       <a:r>
                         <a:rPr lang="de-DE" dirty="0"/>
-                        <a:t>10.15</a:t>
+                        <a:t>8.50</a:t>
                       </a:r>
                     </a:p>
                   </a:txBody>
                   <a:tcPr/>
                 </a:tc>
-                <a:tc gridSpan="2">
+                <a:tc>
                   <a:txBody>
                     <a:bodyPr/>
                     <a:lstStyle/>
                     <a:p>
                       <a:r>
                         <a:rPr lang="de-DE" dirty="0"/>
-                        <a:t>Vorstellung einzelner Unterrichtserfahrungen</a:t>
+                        <a:t>Arbeiten in fachaffinen Gruppen</a:t>
+                      </a:r>
+                    </a:p>
+                  </a:txBody>
+                  <a:tcPr/>
+                </a:tc>
+                <a:tc>
+                  <a:txBody>
+                    <a:bodyPr/>
+                    <a:lstStyle/>
+                    <a:p>
+                      <a:r>
+                        <a:rPr lang="de-DE" dirty="0"/>
+                        <a:t>Geschichtslehrer: </a:t>
                       </a:r>
                     </a:p>
                     <a:p>
                       <a:r>
                         <a:rPr lang="de-DE" dirty="0"/>
-                        <a:t>Feedback zum bisherigen Projektverlauf</a:t>
-                      </a:r>
-                    </a:p>
-                    <a:p>
-                      <a:r>
-                        <a:rPr lang="de-DE" dirty="0"/>
-                        <a:t>Erfahrungen zur Erstellung </a:t>
+                        <a:t>Workshop mit Herrn </a:t>
                       </a:r>
                       <a:r>
-                        <a:rPr lang="de-DE"/>
-                        <a:t>von Unterrichtsmaterialien</a:t>
+                        <a:rPr lang="de-DE" dirty="0" err="1"/>
+                        <a:t>Grapentin</a:t>
                       </a:r>
                       <a:endParaRPr lang="de-DE" dirty="0"/>
-                    </a:p>
-                  </a:txBody>
-                  <a:tcPr/>
-                </a:tc>
-                <a:tc hMerge="1">
-                  <a:txBody>
-                    <a:bodyPr/>
-                    <a:lstStyle/>
-                    <a:p>
-                      <a:endParaRPr lang="de-DE"/>
                     </a:p>
                   </a:txBody>
                   <a:tcPr/>
@@ -8340,7 +8341,7 @@
                     <a:p>
                       <a:r>
                         <a:rPr lang="de-DE" dirty="0"/>
-                        <a:t>Informationen zur Austauschplattform und zu den Verlagsangeboten</a:t>
+                        <a:t>Informationen zur Evaluation durch das Hector-Institut</a:t>
                       </a:r>
                     </a:p>
                   </a:txBody>
@@ -8376,28 +8377,25 @@
                   </a:txBody>
                   <a:tcPr/>
                 </a:tc>
-                <a:tc>
+                <a:tc gridSpan="2">
                   <a:txBody>
                     <a:bodyPr/>
                     <a:lstStyle/>
                     <a:p>
                       <a:r>
                         <a:rPr lang="de-DE" dirty="0"/>
-                        <a:t>MIFD</a:t>
+                        <a:t>Arbeiten in fachaffinen Gruppen</a:t>
                       </a:r>
                     </a:p>
                   </a:txBody>
                   <a:tcPr/>
                 </a:tc>
-                <a:tc>
+                <a:tc hMerge="1">
                   <a:txBody>
                     <a:bodyPr/>
                     <a:lstStyle/>
                     <a:p>
-                      <a:r>
-                        <a:rPr lang="de-DE" dirty="0"/>
-                        <a:t>Erprobung von digitalen Unterrichtsmaterialien inklusive einer Skype-Konferenz mit dem Cornelsen-Verlag (Englisch, Mathematik)</a:t>
-                      </a:r>
+                      <a:endParaRPr lang="de-DE"/>
                     </a:p>
                   </a:txBody>
                   <a:tcPr/>
@@ -8440,7 +8438,7 @@
                     <a:bodyPr/>
                     <a:lstStyle/>
                     <a:p>
-                      <a:endParaRPr lang="de-DE" dirty="0"/>
+                      <a:endParaRPr lang="de-DE"/>
                     </a:p>
                   </a:txBody>
                   <a:tcPr/>
